--- a/preparation_report/预习展示_祁文浩_康梓峰.pptx
+++ b/preparation_report/预习展示_祁文浩_康梓峰.pptx
@@ -4885,7 +4885,7 @@
                           <a:schemeClr val="tx1"/>
                         </a:solidFill>
                         <a:effectLst/>
-                        <a:latin typeface="+mn-lt"/>
+                        <a:latin typeface="Cambria Math" charset="0"/>
                         <a:ea typeface="+mn-ea"/>
                         <a:cs typeface="+mn-cs"/>
                       </a:rPr>
@@ -4900,7 +4900,7 @@
                           <a:schemeClr val="tx1"/>
                         </a:solidFill>
                         <a:effectLst/>
-                        <a:latin typeface="+mn-lt"/>
+                        <a:latin typeface="Cambria Math" charset="0"/>
                         <a:ea typeface="+mn-ea"/>
                         <a:cs typeface="+mn-cs"/>
                       </a:rPr>
@@ -4912,7 +4912,7 @@
                           <a:schemeClr val="tx1"/>
                         </a:solidFill>
                         <a:effectLst/>
-                        <a:latin typeface="+mn-lt"/>
+                        <a:latin typeface="Cambria Math" charset="0"/>
                         <a:ea typeface="+mn-ea"/>
                         <a:cs typeface="+mn-cs"/>
                       </a:rPr>
@@ -5438,7 +5438,7 @@
                           <a:schemeClr val="tx1"/>
                         </a:solidFill>
                         <a:effectLst/>
-                        <a:latin typeface="+mn-lt"/>
+                        <a:latin typeface="Cambria Math" charset="0"/>
                         <a:ea typeface="+mn-ea"/>
                         <a:cs typeface="+mn-cs"/>
                       </a:rPr>
@@ -5453,7 +5453,7 @@
                           <a:schemeClr val="tx1"/>
                         </a:solidFill>
                         <a:effectLst/>
-                        <a:latin typeface="+mn-lt"/>
+                        <a:latin typeface="Cambria Math" charset="0"/>
                         <a:ea typeface="+mn-ea"/>
                         <a:cs typeface="+mn-cs"/>
                       </a:rPr>
@@ -5465,7 +5465,7 @@
                           <a:schemeClr val="tx1"/>
                         </a:solidFill>
                         <a:effectLst/>
-                        <a:latin typeface="+mn-lt"/>
+                        <a:latin typeface="Cambria Math" charset="0"/>
                         <a:ea typeface="+mn-ea"/>
                         <a:cs typeface="+mn-cs"/>
                       </a:rPr>
@@ -5718,7 +5718,7 @@
                           <a:schemeClr val="tx1"/>
                         </a:solidFill>
                         <a:effectLst/>
-                        <a:latin typeface="+mn-lt"/>
+                        <a:latin typeface="Cambria Math" charset="0"/>
                         <a:ea typeface="+mn-ea"/>
                         <a:cs typeface="+mn-cs"/>
                       </a:rPr>
@@ -5733,7 +5733,7 @@
                           <a:schemeClr val="tx1"/>
                         </a:solidFill>
                         <a:effectLst/>
-                        <a:latin typeface="+mn-lt"/>
+                        <a:latin typeface="Cambria Math" charset="0"/>
                         <a:ea typeface="+mn-ea"/>
                         <a:cs typeface="+mn-cs"/>
                       </a:rPr>
@@ -5761,7 +5761,7 @@
                           <a:schemeClr val="tx1"/>
                         </a:solidFill>
                         <a:effectLst/>
-                        <a:latin typeface="+mn-lt"/>
+                        <a:latin typeface="Cambria Math" charset="0"/>
                         <a:ea typeface="+mn-ea"/>
                         <a:cs typeface="+mn-cs"/>
                       </a:rPr>
@@ -5776,7 +5776,7 @@
                           <a:schemeClr val="tx1"/>
                         </a:solidFill>
                         <a:effectLst/>
-                        <a:latin typeface="+mn-lt"/>
+                        <a:latin typeface="Cambria Math" charset="0"/>
                         <a:ea typeface="+mn-ea"/>
                         <a:cs typeface="+mn-cs"/>
                       </a:rPr>
@@ -7056,7 +7056,6 @@
                   <a:rPr lang="zh-CN" altLang="en-US" sz="2800" dirty="0" smtClean="0"/>
                   <a:t>的几率大大降低。</a:t>
                 </a:r>
-                <a:endParaRPr lang="zh-CN" altLang="en-US" sz="2800" dirty="0" smtClean="0"/>
               </a:p>
             </p:txBody>
           </p:sp>
@@ -12352,15 +12351,6 @@
               </a:rPr>
               <a:t>的电源电路仿真</a:t>
             </a:r>
-            <a:endParaRPr lang="zh-CN" altLang="en-US" sz="2400" b="1" dirty="0">
-              <a:solidFill>
-                <a:schemeClr val="tx1">
-                  <a:lumMod val="75000"/>
-                  <a:lumOff val="25000"/>
-                </a:schemeClr>
-              </a:solidFill>
-              <a:ea typeface="华文楷体" panose="02010600040101010101" pitchFamily="2" charset="-122"/>
-            </a:endParaRPr>
           </a:p>
         </p:txBody>
       </p:sp>
@@ -13441,15 +13431,6 @@
               </a:rPr>
               <a:t>的电源电路仿真</a:t>
             </a:r>
-            <a:endParaRPr lang="zh-CN" altLang="en-US" sz="2400" b="1" dirty="0">
-              <a:solidFill>
-                <a:schemeClr val="tx1">
-                  <a:lumMod val="75000"/>
-                  <a:lumOff val="25000"/>
-                </a:schemeClr>
-              </a:solidFill>
-              <a:ea typeface="华文楷体" panose="02010600040101010101" pitchFamily="2" charset="-122"/>
-            </a:endParaRPr>
           </a:p>
         </p:txBody>
       </p:sp>
@@ -14481,15 +14462,6 @@
               </a:rPr>
               <a:t>的电源电路仿真</a:t>
             </a:r>
-            <a:endParaRPr lang="zh-CN" altLang="en-US" sz="2400" b="1" dirty="0">
-              <a:solidFill>
-                <a:schemeClr val="tx1">
-                  <a:lumMod val="75000"/>
-                  <a:lumOff val="25000"/>
-                </a:schemeClr>
-              </a:solidFill>
-              <a:ea typeface="华文楷体" panose="02010600040101010101" pitchFamily="2" charset="-122"/>
-            </a:endParaRPr>
           </a:p>
         </p:txBody>
       </p:sp>
@@ -14539,17 +14511,17 @@
           <a:lstStyle/>
           <a:p>
             <a:r>
-              <a:rPr lang="en-US" altLang="zh-CN" sz="2400" dirty="0" smtClean="0">
-                <a:latin typeface="Times New Roman" charset="0"/>
-                <a:ea typeface="Times New Roman" charset="0"/>
-                <a:cs typeface="Times New Roman" charset="0"/>
+              <a:rPr lang="zh-CN" altLang="en-US" sz="2400" smtClean="0">
+                <a:latin typeface="STKaiti" charset="-122"/>
+                <a:ea typeface="STKaiti" charset="-122"/>
+                <a:cs typeface="STKaiti" charset="-122"/>
               </a:rPr>
-              <a:t>Bode plot</a:t>
+              <a:t>波特图</a:t>
             </a:r>
             <a:endParaRPr lang="zh-CN" altLang="en-US" sz="2400" dirty="0">
-              <a:latin typeface="Times New Roman" charset="0"/>
-              <a:ea typeface="Times New Roman" charset="0"/>
-              <a:cs typeface="Times New Roman" charset="0"/>
+              <a:latin typeface="STKaiti" charset="-122"/>
+              <a:ea typeface="STKaiti" charset="-122"/>
+              <a:cs typeface="STKaiti" charset="-122"/>
             </a:endParaRPr>
           </a:p>
         </p:txBody>
@@ -15496,15 +15468,6 @@
               </a:rPr>
               <a:t>的电源电路仿真</a:t>
             </a:r>
-            <a:endParaRPr lang="zh-CN" altLang="en-US" sz="2400" b="1" dirty="0">
-              <a:solidFill>
-                <a:schemeClr val="tx1">
-                  <a:lumMod val="75000"/>
-                  <a:lumOff val="25000"/>
-                </a:schemeClr>
-              </a:solidFill>
-              <a:ea typeface="华文楷体" panose="02010600040101010101" pitchFamily="2" charset="-122"/>
-            </a:endParaRPr>
           </a:p>
         </p:txBody>
       </p:sp>
@@ -15554,17 +15517,17 @@
           <a:lstStyle/>
           <a:p>
             <a:r>
-              <a:rPr lang="en-US" altLang="zh-CN" sz="2400" dirty="0" err="1" smtClean="0">
-                <a:latin typeface="Times New Roman" charset="0"/>
-                <a:ea typeface="Times New Roman" charset="0"/>
-                <a:cs typeface="Times New Roman" charset="0"/>
+              <a:rPr lang="zh-CN" altLang="en-US" sz="2400" dirty="0" smtClean="0">
+                <a:latin typeface="STKaiti" charset="-122"/>
+                <a:ea typeface="STKaiti" charset="-122"/>
+                <a:cs typeface="STKaiti" charset="-122"/>
               </a:rPr>
-              <a:t>Input_transient</a:t>
+              <a:t>输入变化暂态响应</a:t>
             </a:r>
             <a:endParaRPr lang="zh-CN" altLang="en-US" sz="2400" dirty="0">
-              <a:latin typeface="Times New Roman" charset="0"/>
-              <a:ea typeface="Times New Roman" charset="0"/>
-              <a:cs typeface="Times New Roman" charset="0"/>
+              <a:latin typeface="STKaiti" charset="-122"/>
+              <a:ea typeface="STKaiti" charset="-122"/>
+              <a:cs typeface="STKaiti" charset="-122"/>
             </a:endParaRPr>
           </a:p>
         </p:txBody>
@@ -16511,15 +16474,6 @@
               </a:rPr>
               <a:t>的电源电路仿真</a:t>
             </a:r>
-            <a:endParaRPr lang="zh-CN" altLang="en-US" sz="2400" b="1" dirty="0">
-              <a:solidFill>
-                <a:schemeClr val="tx1">
-                  <a:lumMod val="75000"/>
-                  <a:lumOff val="25000"/>
-                </a:schemeClr>
-              </a:solidFill>
-              <a:ea typeface="华文楷体" panose="02010600040101010101" pitchFamily="2" charset="-122"/>
-            </a:endParaRPr>
           </a:p>
         </p:txBody>
       </p:sp>
@@ -16569,17 +16523,25 @@
           <a:lstStyle/>
           <a:p>
             <a:r>
-              <a:rPr lang="en-US" altLang="zh-CN" sz="2400" dirty="0" err="1" smtClean="0">
-                <a:latin typeface="Times New Roman" charset="0"/>
-                <a:ea typeface="Times New Roman" charset="0"/>
-                <a:cs typeface="Times New Roman" charset="0"/>
+              <a:rPr lang="zh-CN" altLang="en-US" sz="2400" dirty="0" smtClean="0">
+                <a:latin typeface="STKaiti" charset="-122"/>
+                <a:ea typeface="STKaiti" charset="-122"/>
+                <a:cs typeface="STKaiti" charset="-122"/>
               </a:rPr>
-              <a:t>Load_transient</a:t>
+              <a:t>负载变化暂态</a:t>
+            </a:r>
+            <a:r>
+              <a:rPr lang="zh-CN" altLang="en-US" sz="2400" dirty="0">
+                <a:latin typeface="STKaiti" charset="-122"/>
+                <a:ea typeface="STKaiti" charset="-122"/>
+                <a:cs typeface="STKaiti" charset="-122"/>
+              </a:rPr>
+              <a:t>响应</a:t>
             </a:r>
             <a:endParaRPr lang="zh-CN" altLang="en-US" sz="2400" dirty="0">
-              <a:latin typeface="Times New Roman" charset="0"/>
-              <a:ea typeface="Times New Roman" charset="0"/>
-              <a:cs typeface="Times New Roman" charset="0"/>
+              <a:latin typeface="STKaiti" charset="-122"/>
+              <a:ea typeface="STKaiti" charset="-122"/>
+              <a:cs typeface="STKaiti" charset="-122"/>
             </a:endParaRPr>
           </a:p>
         </p:txBody>
@@ -17526,15 +17488,6 @@
               </a:rPr>
               <a:t>的电源电路仿真</a:t>
             </a:r>
-            <a:endParaRPr lang="zh-CN" altLang="en-US" sz="2400" b="1" dirty="0">
-              <a:solidFill>
-                <a:schemeClr val="tx1">
-                  <a:lumMod val="75000"/>
-                  <a:lumOff val="25000"/>
-                </a:schemeClr>
-              </a:solidFill>
-              <a:ea typeface="华文楷体" panose="02010600040101010101" pitchFamily="2" charset="-122"/>
-            </a:endParaRPr>
           </a:p>
         </p:txBody>
       </p:sp>
@@ -17584,17 +17537,17 @@
           <a:lstStyle/>
           <a:p>
             <a:r>
-              <a:rPr lang="en-US" altLang="zh-CN" sz="2400" dirty="0" smtClean="0">
-                <a:latin typeface="Times New Roman" charset="0"/>
-                <a:ea typeface="Times New Roman" charset="0"/>
-                <a:cs typeface="Times New Roman" charset="0"/>
+              <a:rPr lang="zh-CN" altLang="en-US" sz="2400" dirty="0" smtClean="0">
+                <a:latin typeface="STKaiti" charset="-122"/>
+                <a:ea typeface="STKaiti" charset="-122"/>
+                <a:cs typeface="STKaiti" charset="-122"/>
               </a:rPr>
-              <a:t>Steady state</a:t>
+              <a:t>稳态输出</a:t>
             </a:r>
             <a:endParaRPr lang="zh-CN" altLang="en-US" sz="2400" dirty="0">
-              <a:latin typeface="Times New Roman" charset="0"/>
-              <a:ea typeface="Times New Roman" charset="0"/>
-              <a:cs typeface="Times New Roman" charset="0"/>
+              <a:latin typeface="STKaiti" charset="-122"/>
+              <a:ea typeface="STKaiti" charset="-122"/>
+              <a:cs typeface="STKaiti" charset="-122"/>
             </a:endParaRPr>
           </a:p>
         </p:txBody>
@@ -18547,15 +18500,6 @@
               </a:rPr>
               <a:t>的电源电路仿真</a:t>
             </a:r>
-            <a:endParaRPr lang="zh-CN" altLang="en-US" sz="2400" b="1" dirty="0">
-              <a:solidFill>
-                <a:schemeClr val="tx1">
-                  <a:lumMod val="75000"/>
-                  <a:lumOff val="25000"/>
-                </a:schemeClr>
-              </a:solidFill>
-              <a:ea typeface="华文楷体" panose="02010600040101010101" pitchFamily="2" charset="-122"/>
-            </a:endParaRPr>
           </a:p>
         </p:txBody>
       </p:sp>
@@ -18605,17 +18549,17 @@
           <a:lstStyle/>
           <a:p>
             <a:r>
-              <a:rPr lang="en-US" altLang="zh-CN" sz="2400" dirty="0" smtClean="0">
-                <a:latin typeface="Times New Roman" charset="0"/>
-                <a:ea typeface="Times New Roman" charset="0"/>
-                <a:cs typeface="Times New Roman" charset="0"/>
+              <a:rPr lang="zh-CN" altLang="en-US" sz="2400" smtClean="0">
+                <a:latin typeface="STKaiti" charset="-122"/>
+                <a:ea typeface="STKaiti" charset="-122"/>
+                <a:cs typeface="STKaiti" charset="-122"/>
               </a:rPr>
-              <a:t>Start up</a:t>
+              <a:t>启动暂态响应</a:t>
             </a:r>
             <a:endParaRPr lang="zh-CN" altLang="en-US" sz="2400" dirty="0">
-              <a:latin typeface="Times New Roman" charset="0"/>
-              <a:ea typeface="Times New Roman" charset="0"/>
-              <a:cs typeface="Times New Roman" charset="0"/>
+              <a:latin typeface="STKaiti" charset="-122"/>
+              <a:ea typeface="STKaiti" charset="-122"/>
+              <a:cs typeface="STKaiti" charset="-122"/>
             </a:endParaRPr>
           </a:p>
         </p:txBody>
@@ -19562,15 +19506,6 @@
               </a:rPr>
               <a:t>的电源电路仿真</a:t>
             </a:r>
-            <a:endParaRPr lang="zh-CN" altLang="en-US" sz="2400" b="1" dirty="0">
-              <a:solidFill>
-                <a:schemeClr val="tx1">
-                  <a:lumMod val="75000"/>
-                  <a:lumOff val="25000"/>
-                </a:schemeClr>
-              </a:solidFill>
-              <a:ea typeface="华文楷体" panose="02010600040101010101" pitchFamily="2" charset="-122"/>
-            </a:endParaRPr>
           </a:p>
         </p:txBody>
       </p:sp>
@@ -24629,7 +24564,7 @@
           <p:nvPr>
             <p:extLst>
               <p:ext uri="{D42A27DB-BD31-4B8C-83A1-F6EECF244321}">
-                <p14:modId xmlns:p14="http://schemas.microsoft.com/office/powerpoint/2010/main" val="1129218992"/>
+                <p14:modId xmlns:p14="http://schemas.microsoft.com/office/powerpoint/2010/main" val="471386587"/>
               </p:ext>
             </p:extLst>
           </p:nvPr>
@@ -24827,15 +24762,7 @@
                           <a:ea typeface="STKaiti" charset="-122"/>
                           <a:cs typeface="STKaiti" charset="-122"/>
                         </a:rPr>
-                        <a:t>霍尔传感器</a:t>
-                      </a:r>
-                      <a:r>
-                        <a:rPr lang="en-US" altLang="zh-CN" dirty="0" smtClean="0">
-                          <a:latin typeface="STKaiti" charset="-122"/>
-                          <a:ea typeface="STKaiti" charset="-122"/>
-                          <a:cs typeface="STKaiti" charset="-122"/>
-                        </a:rPr>
-                        <a:t>LM393</a:t>
+                        <a:t>霍尔</a:t>
                       </a:r>
                       <a:r>
                         <a:rPr lang="zh-CN" altLang="en-US" dirty="0" smtClean="0">
@@ -24843,7 +24770,7 @@
                           <a:ea typeface="STKaiti" charset="-122"/>
                           <a:cs typeface="STKaiti" charset="-122"/>
                         </a:rPr>
-                        <a:t>模块</a:t>
+                        <a:t>传感器模块</a:t>
                       </a:r>
                       <a:endParaRPr lang="zh-CN" altLang="en-US" dirty="0">
                         <a:latin typeface="STKaiti" charset="-122"/>
@@ -24865,7 +24792,15 @@
                           <a:ea typeface="STKaiti" charset="-122"/>
                           <a:cs typeface="STKaiti" charset="-122"/>
                         </a:rPr>
-                        <a:t>用磁铁给小车下达出发命令</a:t>
+                        <a:t>用磁铁给小车下达</a:t>
+                      </a:r>
+                      <a:r>
+                        <a:rPr lang="zh-CN" altLang="en-US" dirty="0" smtClean="0">
+                          <a:latin typeface="STKaiti" charset="-122"/>
+                          <a:ea typeface="STKaiti" charset="-122"/>
+                          <a:cs typeface="STKaiti" charset="-122"/>
+                        </a:rPr>
+                        <a:t>出发和返回命令</a:t>
                       </a:r>
                       <a:endParaRPr lang="zh-CN" altLang="en-US" dirty="0">
                         <a:latin typeface="STKaiti" charset="-122"/>
@@ -29313,19 +29248,7 @@
                 </a:solidFill>
                 <a:ea typeface="华文楷体" panose="02010600040101010101" pitchFamily="2" charset="-122"/>
               </a:rPr>
-              <a:t>电源管理</a:t>
-            </a:r>
-            <a:r>
-              <a:rPr lang="zh-CN" altLang="en-US" sz="2400" b="1" dirty="0" smtClean="0">
-                <a:solidFill>
-                  <a:schemeClr val="tx1">
-                    <a:lumMod val="75000"/>
-                    <a:lumOff val="25000"/>
-                  </a:schemeClr>
-                </a:solidFill>
-                <a:ea typeface="华文楷体" panose="02010600040101010101" pitchFamily="2" charset="-122"/>
-              </a:rPr>
-              <a:t>方案</a:t>
+              <a:t>电源管理方案</a:t>
             </a:r>
             <a:endParaRPr lang="zh-CN" altLang="en-US" sz="2400" b="1" dirty="0">
               <a:solidFill>
@@ -29450,10 +29373,6 @@
               </a:rPr>
               <a:t>选用开关型稳压电路</a:t>
             </a:r>
-            <a:endParaRPr lang="zh-CN" altLang="en-US" sz="2000" b="1" dirty="0">
-              <a:latin typeface="华文楷体" pitchFamily="2" charset="-122"/>
-              <a:ea typeface="华文楷体" pitchFamily="2" charset="-122"/>
-            </a:endParaRPr>
           </a:p>
         </p:txBody>
       </p:sp>

--- a/preparation_report/预习展示_祁文浩_康梓峰.pptx
+++ b/preparation_report/预习展示_祁文浩_康梓峰.pptx
@@ -3488,7 +3488,7 @@
           <a:p>
             <a:fld id="{F75178F4-C18B-48EC-9055-35D023B30368}" type="datetimeFigureOut">
               <a:rPr lang="zh-CN" altLang="en-US" smtClean="0"/>
-              <a:t>2017/8/27</a:t>
+              <a:t>2017/8/28</a:t>
             </a:fld>
             <a:endParaRPr lang="zh-CN" altLang="en-US"/>
           </a:p>
@@ -7623,7 +7623,7 @@
           <a:p>
             <a:fld id="{7F286594-573C-4371-943C-16C4B86CE919}" type="datetime1">
               <a:rPr lang="zh-CN" altLang="en-US" smtClean="0"/>
-              <a:t>2017/8/27</a:t>
+              <a:t>2017/8/28</a:t>
             </a:fld>
             <a:endParaRPr lang="zh-CN" altLang="en-US"/>
           </a:p>
@@ -7805,7 +7805,7 @@
           <a:p>
             <a:fld id="{A6BABF44-8FDA-4DC6-BD9E-7867B8046E85}" type="datetime1">
               <a:rPr lang="zh-CN" altLang="en-US" smtClean="0"/>
-              <a:t>2017/8/27</a:t>
+              <a:t>2017/8/28</a:t>
             </a:fld>
             <a:endParaRPr lang="zh-CN" altLang="en-US"/>
           </a:p>
@@ -7997,7 +7997,7 @@
           <a:p>
             <a:fld id="{14C5E15C-9DA3-4D0E-B0CA-C64280D28412}" type="datetime1">
               <a:rPr lang="zh-CN" altLang="en-US" smtClean="0"/>
-              <a:t>2017/8/27</a:t>
+              <a:t>2017/8/28</a:t>
             </a:fld>
             <a:endParaRPr lang="zh-CN" altLang="en-US"/>
           </a:p>
@@ -8179,7 +8179,7 @@
           <a:p>
             <a:fld id="{565C0C32-4223-4FCF-BFBB-9AAE042BDE2F}" type="datetime1">
               <a:rPr lang="zh-CN" altLang="en-US" smtClean="0"/>
-              <a:t>2017/8/27</a:t>
+              <a:t>2017/8/28</a:t>
             </a:fld>
             <a:endParaRPr lang="zh-CN" altLang="en-US"/>
           </a:p>
@@ -8437,7 +8437,7 @@
           <a:p>
             <a:fld id="{26EA06AC-C701-4229-A467-4927DFA57F61}" type="datetime1">
               <a:rPr lang="zh-CN" altLang="en-US" smtClean="0"/>
-              <a:t>2017/8/27</a:t>
+              <a:t>2017/8/28</a:t>
             </a:fld>
             <a:endParaRPr lang="zh-CN" altLang="en-US"/>
           </a:p>
@@ -8681,7 +8681,7 @@
           <a:p>
             <a:fld id="{F508D7A1-5E0C-473B-A2CD-6F1C25E18AEB}" type="datetime1">
               <a:rPr lang="zh-CN" altLang="en-US" smtClean="0"/>
-              <a:t>2017/8/27</a:t>
+              <a:t>2017/8/28</a:t>
             </a:fld>
             <a:endParaRPr lang="zh-CN" altLang="en-US"/>
           </a:p>
@@ -9060,7 +9060,7 @@
           <a:p>
             <a:fld id="{DAF78993-200A-43F5-A0F6-2E5BCDD5BFBC}" type="datetime1">
               <a:rPr lang="zh-CN" altLang="en-US" smtClean="0"/>
-              <a:t>2017/8/27</a:t>
+              <a:t>2017/8/28</a:t>
             </a:fld>
             <a:endParaRPr lang="zh-CN" altLang="en-US"/>
           </a:p>
@@ -9190,7 +9190,7 @@
           <a:p>
             <a:fld id="{8D7E3DA1-3A7B-4974-ACEC-8DDD9A18CDBE}" type="datetime1">
               <a:rPr lang="zh-CN" altLang="en-US" smtClean="0"/>
-              <a:t>2017/8/27</a:t>
+              <a:t>2017/8/28</a:t>
             </a:fld>
             <a:endParaRPr lang="zh-CN" altLang="en-US"/>
           </a:p>
@@ -9297,7 +9297,7 @@
           <a:p>
             <a:fld id="{6C705718-EADE-4133-8620-04BD675B7EDB}" type="datetime1">
               <a:rPr lang="zh-CN" altLang="en-US" smtClean="0"/>
-              <a:t>2017/8/27</a:t>
+              <a:t>2017/8/28</a:t>
             </a:fld>
             <a:endParaRPr lang="zh-CN" altLang="en-US"/>
           </a:p>
@@ -9586,7 +9586,7 @@
           <a:p>
             <a:fld id="{5C62ECEA-8A51-497F-87E2-49683CB27294}" type="datetime1">
               <a:rPr lang="zh-CN" altLang="en-US" smtClean="0"/>
-              <a:t>2017/8/27</a:t>
+              <a:t>2017/8/28</a:t>
             </a:fld>
             <a:endParaRPr lang="zh-CN" altLang="en-US"/>
           </a:p>
@@ -9851,7 +9851,7 @@
           <a:p>
             <a:fld id="{4EA6DC2D-623E-487C-B54A-1DE9A8380718}" type="datetime1">
               <a:rPr lang="zh-CN" altLang="en-US" smtClean="0"/>
-              <a:t>2017/8/27</a:t>
+              <a:t>2017/8/28</a:t>
             </a:fld>
             <a:endParaRPr lang="zh-CN" altLang="en-US"/>
           </a:p>
@@ -10076,7 +10076,7 @@
           <a:p>
             <a:fld id="{90D8197E-497D-48BA-AAE6-45715AEF5B40}" type="datetime1">
               <a:rPr lang="zh-CN" altLang="en-US" smtClean="0"/>
-              <a:t>2017/8/27</a:t>
+              <a:t>2017/8/28</a:t>
             </a:fld>
             <a:endParaRPr lang="zh-CN" altLang="en-US"/>
           </a:p>
@@ -16538,11 +16538,6 @@
               </a:rPr>
               <a:t>响应</a:t>
             </a:r>
-            <a:endParaRPr lang="zh-CN" altLang="en-US" sz="2400" dirty="0">
-              <a:latin typeface="STKaiti" charset="-122"/>
-              <a:ea typeface="STKaiti" charset="-122"/>
-              <a:cs typeface="STKaiti" charset="-122"/>
-            </a:endParaRPr>
           </a:p>
         </p:txBody>
       </p:sp>
@@ -24762,15 +24757,7 @@
                           <a:ea typeface="STKaiti" charset="-122"/>
                           <a:cs typeface="STKaiti" charset="-122"/>
                         </a:rPr>
-                        <a:t>霍尔</a:t>
-                      </a:r>
-                      <a:r>
-                        <a:rPr lang="zh-CN" altLang="en-US" dirty="0" smtClean="0">
-                          <a:latin typeface="STKaiti" charset="-122"/>
-                          <a:ea typeface="STKaiti" charset="-122"/>
-                          <a:cs typeface="STKaiti" charset="-122"/>
-                        </a:rPr>
-                        <a:t>传感器模块</a:t>
+                        <a:t>霍尔传感器模块</a:t>
                       </a:r>
                       <a:endParaRPr lang="zh-CN" altLang="en-US" dirty="0">
                         <a:latin typeface="STKaiti" charset="-122"/>
@@ -24792,15 +24779,7 @@
                           <a:ea typeface="STKaiti" charset="-122"/>
                           <a:cs typeface="STKaiti" charset="-122"/>
                         </a:rPr>
-                        <a:t>用磁铁给小车下达</a:t>
-                      </a:r>
-                      <a:r>
-                        <a:rPr lang="zh-CN" altLang="en-US" dirty="0" smtClean="0">
-                          <a:latin typeface="STKaiti" charset="-122"/>
-                          <a:ea typeface="STKaiti" charset="-122"/>
-                          <a:cs typeface="STKaiti" charset="-122"/>
-                        </a:rPr>
-                        <a:t>出发和返回命令</a:t>
+                        <a:t>用磁铁给小车下达出发和返回命令</a:t>
                       </a:r>
                       <a:endParaRPr lang="zh-CN" altLang="en-US" dirty="0">
                         <a:latin typeface="STKaiti" charset="-122"/>
@@ -26983,7 +26962,7 @@
         </p:nvGrpSpPr>
         <p:grpSpPr>
           <a:xfrm>
-            <a:off x="1435141" y="3718386"/>
+            <a:off x="1281028" y="3687767"/>
             <a:ext cx="6813719" cy="2456702"/>
             <a:chOff x="1435141" y="4073722"/>
             <a:chExt cx="6813719" cy="2456702"/>
